--- a/Report-Presentation/Presentation.pptx
+++ b/Report-Presentation/Presentation.pptx
@@ -5,10 +5,10 @@
     <p:sldMasterId id="2147483648" r:id="rId1"/>
   </p:sldMasterIdLst>
   <p:notesMasterIdLst>
-    <p:notesMasterId r:id="rId35"/>
+    <p:notesMasterId r:id="rId38"/>
   </p:notesMasterIdLst>
   <p:handoutMasterIdLst>
-    <p:handoutMasterId r:id="rId36"/>
+    <p:handoutMasterId r:id="rId39"/>
   </p:handoutMasterIdLst>
   <p:sldIdLst>
     <p:sldId id="256" r:id="rId2"/>
@@ -31,19 +31,22 @@
     <p:sldId id="276" r:id="rId19"/>
     <p:sldId id="277" r:id="rId20"/>
     <p:sldId id="278" r:id="rId21"/>
-    <p:sldId id="279" r:id="rId22"/>
-    <p:sldId id="281" r:id="rId23"/>
-    <p:sldId id="280" r:id="rId24"/>
-    <p:sldId id="283" r:id="rId25"/>
-    <p:sldId id="284" r:id="rId26"/>
-    <p:sldId id="285" r:id="rId27"/>
-    <p:sldId id="286" r:id="rId28"/>
-    <p:sldId id="265" r:id="rId29"/>
-    <p:sldId id="287" r:id="rId30"/>
-    <p:sldId id="263" r:id="rId31"/>
-    <p:sldId id="288" r:id="rId32"/>
-    <p:sldId id="289" r:id="rId33"/>
-    <p:sldId id="290" r:id="rId34"/>
+    <p:sldId id="291" r:id="rId22"/>
+    <p:sldId id="279" r:id="rId23"/>
+    <p:sldId id="292" r:id="rId24"/>
+    <p:sldId id="281" r:id="rId25"/>
+    <p:sldId id="293" r:id="rId26"/>
+    <p:sldId id="280" r:id="rId27"/>
+    <p:sldId id="283" r:id="rId28"/>
+    <p:sldId id="284" r:id="rId29"/>
+    <p:sldId id="285" r:id="rId30"/>
+    <p:sldId id="286" r:id="rId31"/>
+    <p:sldId id="265" r:id="rId32"/>
+    <p:sldId id="287" r:id="rId33"/>
+    <p:sldId id="263" r:id="rId34"/>
+    <p:sldId id="288" r:id="rId35"/>
+    <p:sldId id="289" r:id="rId36"/>
+    <p:sldId id="290" r:id="rId37"/>
   </p:sldIdLst>
   <p:sldSz cx="12192000" cy="6858000"/>
   <p:notesSz cx="6858000" cy="9144000"/>
@@ -984,7 +987,7 @@
           <a:p>
             <a:fld id="{7B693BA2-FE06-4904-AA83-3AB18951AF38}" type="slidenum">
               <a:rPr lang="it-IT" smtClean="0"/>
-              <a:t>24</a:t>
+              <a:t>27</a:t>
             </a:fld>
             <a:endParaRPr lang="it-IT"/>
           </a:p>
@@ -1068,7 +1071,7 @@
           <a:p>
             <a:fld id="{7B693BA2-FE06-4904-AA83-3AB18951AF38}" type="slidenum">
               <a:rPr lang="it-IT" smtClean="0"/>
-              <a:t>28</a:t>
+              <a:t>31</a:t>
             </a:fld>
             <a:endParaRPr lang="it-IT"/>
           </a:p>
@@ -6575,6 +6578,68 @@
       </p:grpSpPr>
       <p:sp>
         <p:nvSpPr>
+          <p:cNvPr id="3" name="Segnaposto contenuto 2"/>
+          <p:cNvSpPr>
+            <a:spLocks noGrp="1"/>
+          </p:cNvSpPr>
+          <p:nvPr>
+            <p:ph idx="1"/>
+          </p:nvPr>
+        </p:nvSpPr>
+        <p:spPr>
+          <a:xfrm>
+            <a:off x="901520" y="695459"/>
+            <a:ext cx="10452279" cy="5481504"/>
+          </a:xfrm>
+        </p:spPr>
+        <p:txBody>
+          <a:bodyPr/>
+          <a:lstStyle/>
+          <a:p>
+            <a:endParaRPr lang="it-IT" dirty="0"/>
+          </a:p>
+          <a:p>
+            <a:r>
+              <a:rPr lang="en-US" i="1" dirty="0">
+                <a:latin typeface="Graphik Regular" panose="020B0503030202060203" pitchFamily="34" charset="0"/>
+              </a:rPr>
+              <a:t>Base Learner</a:t>
+            </a:r>
+            <a:r>
+              <a:rPr lang="en-US" dirty="0">
+                <a:latin typeface="Graphik Regular" panose="020B0503030202060203" pitchFamily="34" charset="0"/>
+              </a:rPr>
+              <a:t>: we tried different algorithms. The default one was Linear Regression, but we also tried Multilayer Perceptron, </a:t>
+            </a:r>
+            <a:r>
+              <a:rPr lang="en-US" dirty="0" err="1">
+                <a:latin typeface="Graphik Regular" panose="020B0503030202060203" pitchFamily="34" charset="0"/>
+              </a:rPr>
+              <a:t>HoltWinters</a:t>
+            </a:r>
+            <a:r>
+              <a:rPr lang="en-US" dirty="0">
+                <a:latin typeface="Graphik Regular" panose="020B0503030202060203" pitchFamily="34" charset="0"/>
+              </a:rPr>
+              <a:t>, Gaussian Processes. In the end we stuck with a Random Forest which seemed to be the most accurate in our opinion. After having played with its parameters we changed only its “</a:t>
+            </a:r>
+            <a:r>
+              <a:rPr lang="en-US" dirty="0" err="1">
+                <a:latin typeface="Graphik Regular" panose="020B0503030202060203" pitchFamily="34" charset="0"/>
+              </a:rPr>
+              <a:t>numIterations</a:t>
+            </a:r>
+            <a:r>
+              <a:rPr lang="en-US" dirty="0">
+                <a:latin typeface="Graphik Regular" panose="020B0503030202060203" pitchFamily="34" charset="0"/>
+              </a:rPr>
+              <a:t>” from the default 100 to 300, a value which doesn’t increase the processing time too much and improves the accuracy of the output. </a:t>
+            </a:r>
+          </a:p>
+        </p:txBody>
+      </p:sp>
+      <p:sp>
+        <p:nvSpPr>
           <p:cNvPr id="4" name="Segnaposto piè di pagina 3"/>
           <p:cNvSpPr>
             <a:spLocks noGrp="1"/>
@@ -6614,6 +6679,82 @@
             <a:fld id="{64940616-D2BF-483C-A102-8A041BC94CFF}" type="slidenum">
               <a:rPr lang="it-IT" smtClean="0"/>
               <a:t>21</a:t>
+            </a:fld>
+            <a:endParaRPr lang="it-IT"/>
+          </a:p>
+        </p:txBody>
+      </p:sp>
+    </p:spTree>
+    <p:extLst>
+      <p:ext uri="{BB962C8B-B14F-4D97-AF65-F5344CB8AC3E}">
+        <p14:creationId xmlns:p14="http://schemas.microsoft.com/office/powerpoint/2010/main" val="2837543443"/>
+      </p:ext>
+    </p:extLst>
+  </p:cSld>
+  <p:clrMapOvr>
+    <a:masterClrMapping/>
+  </p:clrMapOvr>
+</p:sld>
+</file>
+
+<file path=ppt/slides/slide22.xml><?xml version="1.0" encoding="utf-8"?>
+<p:sld xmlns:a="http://schemas.openxmlformats.org/drawingml/2006/main" xmlns:r="http://schemas.openxmlformats.org/officeDocument/2006/relationships" xmlns:p="http://schemas.openxmlformats.org/presentationml/2006/main">
+  <p:cSld>
+    <p:spTree>
+      <p:nvGrpSpPr>
+        <p:cNvPr id="1" name=""/>
+        <p:cNvGrpSpPr/>
+        <p:nvPr/>
+      </p:nvGrpSpPr>
+      <p:grpSpPr>
+        <a:xfrm>
+          <a:off x="0" y="0"/>
+          <a:ext cx="0" cy="0"/>
+          <a:chOff x="0" y="0"/>
+          <a:chExt cx="0" cy="0"/>
+        </a:xfrm>
+      </p:grpSpPr>
+      <p:sp>
+        <p:nvSpPr>
+          <p:cNvPr id="4" name="Segnaposto piè di pagina 3"/>
+          <p:cNvSpPr>
+            <a:spLocks noGrp="1"/>
+          </p:cNvSpPr>
+          <p:nvPr>
+            <p:ph type="ftr" sz="quarter" idx="11"/>
+          </p:nvPr>
+        </p:nvSpPr>
+        <p:spPr/>
+        <p:txBody>
+          <a:bodyPr/>
+          <a:lstStyle/>
+          <a:p>
+            <a:r>
+              <a:rPr lang="it-IT" smtClean="0"/>
+              <a:t>BIP Prediction</a:t>
+            </a:r>
+            <a:endParaRPr lang="it-IT"/>
+          </a:p>
+        </p:txBody>
+      </p:sp>
+      <p:sp>
+        <p:nvSpPr>
+          <p:cNvPr id="5" name="Segnaposto numero diapositiva 4"/>
+          <p:cNvSpPr>
+            <a:spLocks noGrp="1"/>
+          </p:cNvSpPr>
+          <p:nvPr>
+            <p:ph type="sldNum" sz="quarter" idx="12"/>
+          </p:nvPr>
+        </p:nvSpPr>
+        <p:spPr/>
+        <p:txBody>
+          <a:bodyPr/>
+          <a:lstStyle/>
+          <a:p>
+            <a:fld id="{64940616-D2BF-483C-A102-8A041BC94CFF}" type="slidenum">
+              <a:rPr lang="it-IT" smtClean="0"/>
+              <a:t>22</a:t>
             </a:fld>
             <a:endParaRPr lang="it-IT"/>
           </a:p>
@@ -6661,7 +6802,7 @@
 </p:sld>
 </file>
 
-<file path=ppt/slides/slide22.xml><?xml version="1.0" encoding="utf-8"?>
+<file path=ppt/slides/slide23.xml><?xml version="1.0" encoding="utf-8"?>
 <p:sld xmlns:a="http://schemas.openxmlformats.org/drawingml/2006/main" xmlns:r="http://schemas.openxmlformats.org/officeDocument/2006/relationships" xmlns:p="http://schemas.openxmlformats.org/presentationml/2006/main">
   <p:cSld>
     <p:spTree>
@@ -6680,6 +6821,52 @@
       </p:grpSpPr>
       <p:sp>
         <p:nvSpPr>
+          <p:cNvPr id="3" name="Segnaposto contenuto 2"/>
+          <p:cNvSpPr>
+            <a:spLocks noGrp="1"/>
+          </p:cNvSpPr>
+          <p:nvPr>
+            <p:ph idx="1"/>
+          </p:nvPr>
+        </p:nvSpPr>
+        <p:spPr>
+          <a:xfrm>
+            <a:off x="901520" y="695459"/>
+            <a:ext cx="10452279" cy="5481504"/>
+          </a:xfrm>
+        </p:spPr>
+        <p:txBody>
+          <a:bodyPr/>
+          <a:lstStyle/>
+          <a:p>
+            <a:endParaRPr lang="it-IT" dirty="0"/>
+          </a:p>
+          <a:p>
+            <a:r>
+              <a:rPr lang="en-US" i="1" dirty="0">
+                <a:latin typeface="Graphik Regular" panose="020B0503030202060203" pitchFamily="34" charset="0"/>
+              </a:rPr>
+              <a:t>Lag creation</a:t>
+            </a:r>
+            <a:r>
+              <a:rPr lang="en-US" dirty="0">
+                <a:latin typeface="Graphik Regular" panose="020B0503030202060203" pitchFamily="34" charset="0"/>
+              </a:rPr>
+              <a:t>: our time window is across the year, so we set a minimum lag of 1 and a maximum lag of 365; this is to capture the relationship between past values and current ones with a periodicity that goes from a day to a whole year. We also set up a more precise tuning over the lagged variables of 30, 60, 90, 365 to better capture recurring behaviors of the sales on predefined time periods as months, quarters of year… </a:t>
+            </a:r>
+          </a:p>
+          <a:p>
+            <a:pPr marL="0" indent="0">
+              <a:buNone/>
+            </a:pPr>
+            <a:endParaRPr lang="it-IT" dirty="0">
+              <a:latin typeface="Graphik Regular" panose="020B0503030202060203" pitchFamily="34" charset="0"/>
+            </a:endParaRPr>
+          </a:p>
+        </p:txBody>
+      </p:sp>
+      <p:sp>
+        <p:nvSpPr>
           <p:cNvPr id="4" name="Segnaposto piè di pagina 3"/>
           <p:cNvSpPr>
             <a:spLocks noGrp="1"/>
@@ -6718,7 +6905,83 @@
           <a:p>
             <a:fld id="{64940616-D2BF-483C-A102-8A041BC94CFF}" type="slidenum">
               <a:rPr lang="it-IT" smtClean="0"/>
-              <a:t>22</a:t>
+              <a:t>23</a:t>
+            </a:fld>
+            <a:endParaRPr lang="it-IT"/>
+          </a:p>
+        </p:txBody>
+      </p:sp>
+    </p:spTree>
+    <p:extLst>
+      <p:ext uri="{BB962C8B-B14F-4D97-AF65-F5344CB8AC3E}">
+        <p14:creationId xmlns:p14="http://schemas.microsoft.com/office/powerpoint/2010/main" val="2150956399"/>
+      </p:ext>
+    </p:extLst>
+  </p:cSld>
+  <p:clrMapOvr>
+    <a:masterClrMapping/>
+  </p:clrMapOvr>
+</p:sld>
+</file>
+
+<file path=ppt/slides/slide24.xml><?xml version="1.0" encoding="utf-8"?>
+<p:sld xmlns:a="http://schemas.openxmlformats.org/drawingml/2006/main" xmlns:r="http://schemas.openxmlformats.org/officeDocument/2006/relationships" xmlns:p="http://schemas.openxmlformats.org/presentationml/2006/main">
+  <p:cSld>
+    <p:spTree>
+      <p:nvGrpSpPr>
+        <p:cNvPr id="1" name=""/>
+        <p:cNvGrpSpPr/>
+        <p:nvPr/>
+      </p:nvGrpSpPr>
+      <p:grpSpPr>
+        <a:xfrm>
+          <a:off x="0" y="0"/>
+          <a:ext cx="0" cy="0"/>
+          <a:chOff x="0" y="0"/>
+          <a:chExt cx="0" cy="0"/>
+        </a:xfrm>
+      </p:grpSpPr>
+      <p:sp>
+        <p:nvSpPr>
+          <p:cNvPr id="4" name="Segnaposto piè di pagina 3"/>
+          <p:cNvSpPr>
+            <a:spLocks noGrp="1"/>
+          </p:cNvSpPr>
+          <p:nvPr>
+            <p:ph type="ftr" sz="quarter" idx="11"/>
+          </p:nvPr>
+        </p:nvSpPr>
+        <p:spPr/>
+        <p:txBody>
+          <a:bodyPr/>
+          <a:lstStyle/>
+          <a:p>
+            <a:r>
+              <a:rPr lang="it-IT" smtClean="0"/>
+              <a:t>BIP Prediction</a:t>
+            </a:r>
+            <a:endParaRPr lang="it-IT"/>
+          </a:p>
+        </p:txBody>
+      </p:sp>
+      <p:sp>
+        <p:nvSpPr>
+          <p:cNvPr id="5" name="Segnaposto numero diapositiva 4"/>
+          <p:cNvSpPr>
+            <a:spLocks noGrp="1"/>
+          </p:cNvSpPr>
+          <p:nvPr>
+            <p:ph type="sldNum" sz="quarter" idx="12"/>
+          </p:nvPr>
+        </p:nvSpPr>
+        <p:spPr/>
+        <p:txBody>
+          <a:bodyPr/>
+          <a:lstStyle/>
+          <a:p>
+            <a:fld id="{64940616-D2BF-483C-A102-8A041BC94CFF}" type="slidenum">
+              <a:rPr lang="it-IT" smtClean="0"/>
+              <a:t>24</a:t>
             </a:fld>
             <a:endParaRPr lang="it-IT"/>
           </a:p>
@@ -6766,7 +7029,7 @@
 </p:sld>
 </file>
 
-<file path=ppt/slides/slide23.xml><?xml version="1.0" encoding="utf-8"?>
+<file path=ppt/slides/slide25.xml><?xml version="1.0" encoding="utf-8"?>
 <p:sld xmlns:a="http://schemas.openxmlformats.org/drawingml/2006/main" xmlns:r="http://schemas.openxmlformats.org/officeDocument/2006/relationships" xmlns:p="http://schemas.openxmlformats.org/presentationml/2006/main">
   <p:cSld>
     <p:spTree>
@@ -6785,6 +7048,47 @@
       </p:grpSpPr>
       <p:sp>
         <p:nvSpPr>
+          <p:cNvPr id="3" name="Segnaposto contenuto 2"/>
+          <p:cNvSpPr>
+            <a:spLocks noGrp="1"/>
+          </p:cNvSpPr>
+          <p:nvPr>
+            <p:ph idx="1"/>
+          </p:nvPr>
+        </p:nvSpPr>
+        <p:spPr>
+          <a:xfrm>
+            <a:off x="901520" y="695459"/>
+            <a:ext cx="10452279" cy="5481504"/>
+          </a:xfrm>
+        </p:spPr>
+        <p:txBody>
+          <a:bodyPr/>
+          <a:lstStyle/>
+          <a:p>
+            <a:endParaRPr lang="it-IT" dirty="0"/>
+          </a:p>
+          <a:p>
+            <a:r>
+              <a:rPr lang="en-US" i="1" dirty="0" smtClean="0">
+                <a:latin typeface="Graphik Regular" panose="020B0503030202060203" pitchFamily="34" charset="0"/>
+              </a:rPr>
+              <a:t>Evaluation</a:t>
+            </a:r>
+            <a:r>
+              <a:rPr lang="en-US" dirty="0" smtClean="0">
+                <a:latin typeface="Graphik Regular" panose="020B0503030202060203" pitchFamily="34" charset="0"/>
+              </a:rPr>
+              <a:t>: we simply enabled the following performance metrics: Mean absolute error (MAE), Mean Squared Error (MSE), Root Mean Squared Error (RMSE) and Mean Absolute Percentage Error (MAPE) </a:t>
+            </a:r>
+            <a:endParaRPr lang="en-US" dirty="0">
+              <a:latin typeface="Graphik Regular" panose="020B0503030202060203" pitchFamily="34" charset="0"/>
+            </a:endParaRPr>
+          </a:p>
+        </p:txBody>
+      </p:sp>
+      <p:sp>
+        <p:nvSpPr>
           <p:cNvPr id="4" name="Segnaposto piè di pagina 3"/>
           <p:cNvSpPr>
             <a:spLocks noGrp="1"/>
@@ -6823,7 +7127,83 @@
           <a:p>
             <a:fld id="{64940616-D2BF-483C-A102-8A041BC94CFF}" type="slidenum">
               <a:rPr lang="it-IT" smtClean="0"/>
-              <a:t>23</a:t>
+              <a:t>25</a:t>
+            </a:fld>
+            <a:endParaRPr lang="it-IT"/>
+          </a:p>
+        </p:txBody>
+      </p:sp>
+    </p:spTree>
+    <p:extLst>
+      <p:ext uri="{BB962C8B-B14F-4D97-AF65-F5344CB8AC3E}">
+        <p14:creationId xmlns:p14="http://schemas.microsoft.com/office/powerpoint/2010/main" val="3092910207"/>
+      </p:ext>
+    </p:extLst>
+  </p:cSld>
+  <p:clrMapOvr>
+    <a:masterClrMapping/>
+  </p:clrMapOvr>
+</p:sld>
+</file>
+
+<file path=ppt/slides/slide26.xml><?xml version="1.0" encoding="utf-8"?>
+<p:sld xmlns:a="http://schemas.openxmlformats.org/drawingml/2006/main" xmlns:r="http://schemas.openxmlformats.org/officeDocument/2006/relationships" xmlns:p="http://schemas.openxmlformats.org/presentationml/2006/main">
+  <p:cSld>
+    <p:spTree>
+      <p:nvGrpSpPr>
+        <p:cNvPr id="1" name=""/>
+        <p:cNvGrpSpPr/>
+        <p:nvPr/>
+      </p:nvGrpSpPr>
+      <p:grpSpPr>
+        <a:xfrm>
+          <a:off x="0" y="0"/>
+          <a:ext cx="0" cy="0"/>
+          <a:chOff x="0" y="0"/>
+          <a:chExt cx="0" cy="0"/>
+        </a:xfrm>
+      </p:grpSpPr>
+      <p:sp>
+        <p:nvSpPr>
+          <p:cNvPr id="4" name="Segnaposto piè di pagina 3"/>
+          <p:cNvSpPr>
+            <a:spLocks noGrp="1"/>
+          </p:cNvSpPr>
+          <p:nvPr>
+            <p:ph type="ftr" sz="quarter" idx="11"/>
+          </p:nvPr>
+        </p:nvSpPr>
+        <p:spPr/>
+        <p:txBody>
+          <a:bodyPr/>
+          <a:lstStyle/>
+          <a:p>
+            <a:r>
+              <a:rPr lang="it-IT" smtClean="0"/>
+              <a:t>BIP Prediction</a:t>
+            </a:r>
+            <a:endParaRPr lang="it-IT"/>
+          </a:p>
+        </p:txBody>
+      </p:sp>
+      <p:sp>
+        <p:nvSpPr>
+          <p:cNvPr id="5" name="Segnaposto numero diapositiva 4"/>
+          <p:cNvSpPr>
+            <a:spLocks noGrp="1"/>
+          </p:cNvSpPr>
+          <p:nvPr>
+            <p:ph type="sldNum" sz="quarter" idx="12"/>
+          </p:nvPr>
+        </p:nvSpPr>
+        <p:spPr/>
+        <p:txBody>
+          <a:bodyPr/>
+          <a:lstStyle/>
+          <a:p>
+            <a:fld id="{64940616-D2BF-483C-A102-8A041BC94CFF}" type="slidenum">
+              <a:rPr lang="it-IT" smtClean="0"/>
+              <a:t>26</a:t>
             </a:fld>
             <a:endParaRPr lang="it-IT"/>
           </a:p>
@@ -6871,7 +7251,7 @@
 </p:sld>
 </file>
 
-<file path=ppt/slides/slide24.xml><?xml version="1.0" encoding="utf-8"?>
+<file path=ppt/slides/slide27.xml><?xml version="1.0" encoding="utf-8"?>
 <p:sld xmlns:a="http://schemas.openxmlformats.org/drawingml/2006/main" xmlns:r="http://schemas.openxmlformats.org/officeDocument/2006/relationships" xmlns:p="http://schemas.openxmlformats.org/presentationml/2006/main">
   <p:cSld>
     <p:spTree>
@@ -6994,7 +7374,7 @@
           <a:p>
             <a:fld id="{64940616-D2BF-483C-A102-8A041BC94CFF}" type="slidenum">
               <a:rPr lang="it-IT" smtClean="0"/>
-              <a:t>24</a:t>
+              <a:t>27</a:t>
             </a:fld>
             <a:endParaRPr lang="it-IT"/>
           </a:p>
@@ -7013,7 +7393,7 @@
 </p:sld>
 </file>
 
-<file path=ppt/slides/slide25.xml><?xml version="1.0" encoding="utf-8"?>
+<file path=ppt/slides/slide28.xml><?xml version="1.0" encoding="utf-8"?>
 <p:sld xmlns:a="http://schemas.openxmlformats.org/drawingml/2006/main" xmlns:r="http://schemas.openxmlformats.org/officeDocument/2006/relationships" xmlns:p="http://schemas.openxmlformats.org/presentationml/2006/main">
   <p:cSld>
     <p:spTree>
@@ -7070,7 +7450,7 @@
           <a:p>
             <a:fld id="{64940616-D2BF-483C-A102-8A041BC94CFF}" type="slidenum">
               <a:rPr lang="it-IT" smtClean="0"/>
-              <a:t>25</a:t>
+              <a:t>28</a:t>
             </a:fld>
             <a:endParaRPr lang="it-IT"/>
           </a:p>
@@ -7118,7 +7498,7 @@
 </p:sld>
 </file>
 
-<file path=ppt/slides/slide26.xml><?xml version="1.0" encoding="utf-8"?>
+<file path=ppt/slides/slide29.xml><?xml version="1.0" encoding="utf-8"?>
 <p:sld xmlns:a="http://schemas.openxmlformats.org/drawingml/2006/main" xmlns:r="http://schemas.openxmlformats.org/officeDocument/2006/relationships" xmlns:p="http://schemas.openxmlformats.org/presentationml/2006/main">
   <p:cSld>
     <p:spTree>
@@ -7175,7 +7555,7 @@
           <a:p>
             <a:fld id="{64940616-D2BF-483C-A102-8A041BC94CFF}" type="slidenum">
               <a:rPr lang="it-IT" smtClean="0"/>
-              <a:t>26</a:t>
+              <a:t>29</a:t>
             </a:fld>
             <a:endParaRPr lang="it-IT"/>
           </a:p>
@@ -7223,7 +7603,7 @@
 </p:sld>
 </file>
 
-<file path=ppt/slides/slide27.xml><?xml version="1.0" encoding="utf-8"?>
+<file path=ppt/slides/slide3.xml><?xml version="1.0" encoding="utf-8"?>
 <p:sld xmlns:a="http://schemas.openxmlformats.org/drawingml/2006/main" xmlns:r="http://schemas.openxmlformats.org/officeDocument/2006/relationships" xmlns:p="http://schemas.openxmlformats.org/presentationml/2006/main">
   <p:cSld>
     <p:spTree>
@@ -7242,6 +7622,203 @@
       </p:grpSpPr>
       <p:sp>
         <p:nvSpPr>
+          <p:cNvPr id="3" name="Segnaposto contenuto 2"/>
+          <p:cNvSpPr>
+            <a:spLocks noGrp="1"/>
+          </p:cNvSpPr>
+          <p:nvPr>
+            <p:ph idx="1"/>
+          </p:nvPr>
+        </p:nvSpPr>
+        <p:spPr>
+          <a:xfrm>
+            <a:off x="901520" y="695459"/>
+            <a:ext cx="10452279" cy="5481504"/>
+          </a:xfrm>
+        </p:spPr>
+        <p:txBody>
+          <a:bodyPr/>
+          <a:lstStyle/>
+          <a:p>
+            <a:pPr marL="0" indent="0">
+              <a:buNone/>
+            </a:pPr>
+            <a:r>
+              <a:rPr lang="it-IT" dirty="0" smtClean="0">
+                <a:latin typeface="Graphik Regular" panose="020B0503030202060203" pitchFamily="34" charset="0"/>
+              </a:rPr>
+              <a:t>Using </a:t>
+            </a:r>
+            <a:r>
+              <a:rPr lang="it-IT" dirty="0" err="1" smtClean="0">
+                <a:latin typeface="Graphik Regular" panose="020B0503030202060203" pitchFamily="34" charset="0"/>
+              </a:rPr>
+              <a:t>Rstudio</a:t>
+            </a:r>
+            <a:r>
+              <a:rPr lang="it-IT" dirty="0" smtClean="0">
+                <a:latin typeface="Graphik Regular" panose="020B0503030202060203" pitchFamily="34" charset="0"/>
+              </a:rPr>
+              <a:t> </a:t>
+            </a:r>
+            <a:r>
+              <a:rPr lang="it-IT" dirty="0" err="1" smtClean="0">
+                <a:latin typeface="Graphik Regular" panose="020B0503030202060203" pitchFamily="34" charset="0"/>
+              </a:rPr>
+              <a:t>we</a:t>
+            </a:r>
+            <a:r>
+              <a:rPr lang="it-IT" dirty="0" smtClean="0">
+                <a:latin typeface="Graphik Regular" panose="020B0503030202060203" pitchFamily="34" charset="0"/>
+              </a:rPr>
+              <a:t> </a:t>
+            </a:r>
+            <a:r>
+              <a:rPr lang="it-IT" dirty="0" err="1" smtClean="0">
+                <a:latin typeface="Graphik Regular" panose="020B0503030202060203" pitchFamily="34" charset="0"/>
+              </a:rPr>
+              <a:t>extract</a:t>
+            </a:r>
+            <a:r>
+              <a:rPr lang="it-IT" dirty="0" smtClean="0">
+                <a:latin typeface="Graphik Regular" panose="020B0503030202060203" pitchFamily="34" charset="0"/>
+              </a:rPr>
+              <a:t> some information from the date </a:t>
+            </a:r>
+            <a:r>
+              <a:rPr lang="it-IT" dirty="0" err="1" smtClean="0">
+                <a:latin typeface="Graphik Regular" panose="020B0503030202060203" pitchFamily="34" charset="0"/>
+              </a:rPr>
+              <a:t>column</a:t>
+            </a:r>
+            <a:r>
+              <a:rPr lang="it-IT" dirty="0" smtClean="0">
+                <a:latin typeface="Graphik Regular" panose="020B0503030202060203" pitchFamily="34" charset="0"/>
+              </a:rPr>
+              <a:t>, </a:t>
+            </a:r>
+            <a:r>
+              <a:rPr lang="it-IT" dirty="0" err="1" smtClean="0">
+                <a:latin typeface="Graphik Regular" panose="020B0503030202060203" pitchFamily="34" charset="0"/>
+              </a:rPr>
+              <a:t>like</a:t>
+            </a:r>
+            <a:r>
+              <a:rPr lang="it-IT" dirty="0" smtClean="0">
+                <a:latin typeface="Graphik Regular" panose="020B0503030202060203" pitchFamily="34" charset="0"/>
+              </a:rPr>
+              <a:t> the </a:t>
+            </a:r>
+            <a:r>
+              <a:rPr lang="it-IT" dirty="0" err="1" smtClean="0">
+                <a:latin typeface="Graphik Regular" panose="020B0503030202060203" pitchFamily="34" charset="0"/>
+              </a:rPr>
+              <a:t>weekdays</a:t>
+            </a:r>
+            <a:r>
+              <a:rPr lang="it-IT" dirty="0">
+                <a:latin typeface="Graphik Regular" panose="020B0503030202060203" pitchFamily="34" charset="0"/>
+              </a:rPr>
+              <a:t> </a:t>
+            </a:r>
+            <a:r>
+              <a:rPr lang="it-IT" dirty="0" smtClean="0">
+                <a:latin typeface="Graphik Regular" panose="020B0503030202060203" pitchFamily="34" charset="0"/>
+              </a:rPr>
+              <a:t>and </a:t>
+            </a:r>
+            <a:r>
+              <a:rPr lang="it-IT" dirty="0" err="1" smtClean="0">
+                <a:latin typeface="Graphik Regular" panose="020B0503030202060203" pitchFamily="34" charset="0"/>
+              </a:rPr>
+              <a:t>holidays</a:t>
+            </a:r>
+            <a:r>
+              <a:rPr lang="it-IT" dirty="0" smtClean="0">
+                <a:latin typeface="Graphik Regular" panose="020B0503030202060203" pitchFamily="34" charset="0"/>
+              </a:rPr>
+              <a:t> and </a:t>
+            </a:r>
+            <a:r>
+              <a:rPr lang="it-IT" dirty="0" err="1" smtClean="0">
+                <a:latin typeface="Graphik Regular" panose="020B0503030202060203" pitchFamily="34" charset="0"/>
+              </a:rPr>
+              <a:t>we</a:t>
+            </a:r>
+            <a:r>
+              <a:rPr lang="it-IT" dirty="0" smtClean="0">
+                <a:latin typeface="Graphik Regular" panose="020B0503030202060203" pitchFamily="34" charset="0"/>
+              </a:rPr>
+              <a:t> </a:t>
+            </a:r>
+            <a:r>
+              <a:rPr lang="it-IT" dirty="0" err="1" smtClean="0">
+                <a:latin typeface="Graphik Regular" panose="020B0503030202060203" pitchFamily="34" charset="0"/>
+              </a:rPr>
+              <a:t>attach</a:t>
+            </a:r>
+            <a:r>
+              <a:rPr lang="it-IT" dirty="0" smtClean="0">
+                <a:latin typeface="Graphik Regular" panose="020B0503030202060203" pitchFamily="34" charset="0"/>
+              </a:rPr>
+              <a:t> for </a:t>
+            </a:r>
+            <a:r>
+              <a:rPr lang="it-IT" dirty="0" err="1" smtClean="0">
+                <a:latin typeface="Graphik Regular" panose="020B0503030202060203" pitchFamily="34" charset="0"/>
+              </a:rPr>
+              <a:t>each</a:t>
+            </a:r>
+            <a:r>
+              <a:rPr lang="it-IT" dirty="0" smtClean="0">
+                <a:latin typeface="Graphik Regular" panose="020B0503030202060203" pitchFamily="34" charset="0"/>
+              </a:rPr>
+              <a:t> </a:t>
+            </a:r>
+            <a:r>
+              <a:rPr lang="it-IT" dirty="0" err="1" smtClean="0">
+                <a:latin typeface="Graphik Regular" panose="020B0503030202060203" pitchFamily="34" charset="0"/>
+              </a:rPr>
+              <a:t>subarea</a:t>
+            </a:r>
+            <a:r>
+              <a:rPr lang="it-IT" dirty="0" smtClean="0">
+                <a:latin typeface="Graphik Regular" panose="020B0503030202060203" pitchFamily="34" charset="0"/>
+              </a:rPr>
+              <a:t> the </a:t>
+            </a:r>
+            <a:r>
+              <a:rPr lang="it-IT" dirty="0" err="1" smtClean="0">
+                <a:latin typeface="Graphik Regular" panose="020B0503030202060203" pitchFamily="34" charset="0"/>
+              </a:rPr>
+              <a:t>latitude</a:t>
+            </a:r>
+            <a:r>
+              <a:rPr lang="it-IT" dirty="0" smtClean="0">
+                <a:latin typeface="Graphik Regular" panose="020B0503030202060203" pitchFamily="34" charset="0"/>
+              </a:rPr>
+              <a:t> and </a:t>
+            </a:r>
+            <a:r>
+              <a:rPr lang="it-IT" dirty="0" err="1" smtClean="0">
+                <a:latin typeface="Graphik Regular" panose="020B0503030202060203" pitchFamily="34" charset="0"/>
+              </a:rPr>
+              <a:t>longitude</a:t>
+            </a:r>
+            <a:r>
+              <a:rPr lang="it-IT" dirty="0" smtClean="0">
+                <a:latin typeface="Graphik Regular" panose="020B0503030202060203" pitchFamily="34" charset="0"/>
+              </a:rPr>
+              <a:t> data. </a:t>
+            </a:r>
+            <a:endParaRPr lang="it-IT" dirty="0">
+              <a:latin typeface="Graphik Regular" panose="020B0503030202060203" pitchFamily="34" charset="0"/>
+            </a:endParaRPr>
+          </a:p>
+        </p:txBody>
+      </p:sp>
+      <p:sp>
+        <p:nvSpPr>
           <p:cNvPr id="4" name="Segnaposto piè di pagina 3"/>
           <p:cNvSpPr>
             <a:spLocks noGrp="1"/>
@@ -7280,7 +7857,83 @@
           <a:p>
             <a:fld id="{64940616-D2BF-483C-A102-8A041BC94CFF}" type="slidenum">
               <a:rPr lang="it-IT" smtClean="0"/>
-              <a:t>27</a:t>
+              <a:t>3</a:t>
+            </a:fld>
+            <a:endParaRPr lang="it-IT"/>
+          </a:p>
+        </p:txBody>
+      </p:sp>
+    </p:spTree>
+    <p:extLst>
+      <p:ext uri="{BB962C8B-B14F-4D97-AF65-F5344CB8AC3E}">
+        <p14:creationId xmlns:p14="http://schemas.microsoft.com/office/powerpoint/2010/main" val="3128862234"/>
+      </p:ext>
+    </p:extLst>
+  </p:cSld>
+  <p:clrMapOvr>
+    <a:masterClrMapping/>
+  </p:clrMapOvr>
+</p:sld>
+</file>
+
+<file path=ppt/slides/slide30.xml><?xml version="1.0" encoding="utf-8"?>
+<p:sld xmlns:a="http://schemas.openxmlformats.org/drawingml/2006/main" xmlns:r="http://schemas.openxmlformats.org/officeDocument/2006/relationships" xmlns:p="http://schemas.openxmlformats.org/presentationml/2006/main">
+  <p:cSld>
+    <p:spTree>
+      <p:nvGrpSpPr>
+        <p:cNvPr id="1" name=""/>
+        <p:cNvGrpSpPr/>
+        <p:nvPr/>
+      </p:nvGrpSpPr>
+      <p:grpSpPr>
+        <a:xfrm>
+          <a:off x="0" y="0"/>
+          <a:ext cx="0" cy="0"/>
+          <a:chOff x="0" y="0"/>
+          <a:chExt cx="0" cy="0"/>
+        </a:xfrm>
+      </p:grpSpPr>
+      <p:sp>
+        <p:nvSpPr>
+          <p:cNvPr id="4" name="Segnaposto piè di pagina 3"/>
+          <p:cNvSpPr>
+            <a:spLocks noGrp="1"/>
+          </p:cNvSpPr>
+          <p:nvPr>
+            <p:ph type="ftr" sz="quarter" idx="11"/>
+          </p:nvPr>
+        </p:nvSpPr>
+        <p:spPr/>
+        <p:txBody>
+          <a:bodyPr/>
+          <a:lstStyle/>
+          <a:p>
+            <a:r>
+              <a:rPr lang="it-IT" smtClean="0"/>
+              <a:t>BIP Prediction</a:t>
+            </a:r>
+            <a:endParaRPr lang="it-IT"/>
+          </a:p>
+        </p:txBody>
+      </p:sp>
+      <p:sp>
+        <p:nvSpPr>
+          <p:cNvPr id="5" name="Segnaposto numero diapositiva 4"/>
+          <p:cNvSpPr>
+            <a:spLocks noGrp="1"/>
+          </p:cNvSpPr>
+          <p:nvPr>
+            <p:ph type="sldNum" sz="quarter" idx="12"/>
+          </p:nvPr>
+        </p:nvSpPr>
+        <p:spPr/>
+        <p:txBody>
+          <a:bodyPr/>
+          <a:lstStyle/>
+          <a:p>
+            <a:fld id="{64940616-D2BF-483C-A102-8A041BC94CFF}" type="slidenum">
+              <a:rPr lang="it-IT" smtClean="0"/>
+              <a:t>30</a:t>
             </a:fld>
             <a:endParaRPr lang="it-IT"/>
           </a:p>
@@ -7328,7 +7981,7 @@
 </p:sld>
 </file>
 
-<file path=ppt/slides/slide28.xml><?xml version="1.0" encoding="utf-8"?>
+<file path=ppt/slides/slide31.xml><?xml version="1.0" encoding="utf-8"?>
 <p:sld xmlns:a="http://schemas.openxmlformats.org/drawingml/2006/main" xmlns:r="http://schemas.openxmlformats.org/officeDocument/2006/relationships" xmlns:p="http://schemas.openxmlformats.org/presentationml/2006/main">
   <p:cSld>
     <p:spTree>
@@ -7460,7 +8113,7 @@
           <a:p>
             <a:fld id="{64940616-D2BF-483C-A102-8A041BC94CFF}" type="slidenum">
               <a:rPr lang="it-IT" smtClean="0"/>
-              <a:t>28</a:t>
+              <a:t>31</a:t>
             </a:fld>
             <a:endParaRPr lang="it-IT"/>
           </a:p>
@@ -7479,7 +8132,7 @@
 </p:sld>
 </file>
 
-<file path=ppt/slides/slide29.xml><?xml version="1.0" encoding="utf-8"?>
+<file path=ppt/slides/slide32.xml><?xml version="1.0" encoding="utf-8"?>
 <p:sld xmlns:a="http://schemas.openxmlformats.org/drawingml/2006/main" xmlns:r="http://schemas.openxmlformats.org/officeDocument/2006/relationships" xmlns:p="http://schemas.openxmlformats.org/presentationml/2006/main">
   <p:cSld>
     <p:spTree>
@@ -7859,7 +8512,7 @@
           <a:p>
             <a:fld id="{64940616-D2BF-483C-A102-8A041BC94CFF}" type="slidenum">
               <a:rPr lang="it-IT" smtClean="0"/>
-              <a:t>29</a:t>
+              <a:t>32</a:t>
             </a:fld>
             <a:endParaRPr lang="it-IT"/>
           </a:p>
@@ -7878,7 +8531,7 @@
 </p:sld>
 </file>
 
-<file path=ppt/slides/slide3.xml><?xml version="1.0" encoding="utf-8"?>
+<file path=ppt/slides/slide33.xml><?xml version="1.0" encoding="utf-8"?>
 <p:sld xmlns:a="http://schemas.openxmlformats.org/drawingml/2006/main" xmlns:r="http://schemas.openxmlformats.org/officeDocument/2006/relationships" xmlns:p="http://schemas.openxmlformats.org/presentationml/2006/main">
   <p:cSld>
     <p:spTree>
@@ -7897,203 +8550,6 @@
       </p:grpSpPr>
       <p:sp>
         <p:nvSpPr>
-          <p:cNvPr id="3" name="Segnaposto contenuto 2"/>
-          <p:cNvSpPr>
-            <a:spLocks noGrp="1"/>
-          </p:cNvSpPr>
-          <p:nvPr>
-            <p:ph idx="1"/>
-          </p:nvPr>
-        </p:nvSpPr>
-        <p:spPr>
-          <a:xfrm>
-            <a:off x="901520" y="695459"/>
-            <a:ext cx="10452279" cy="5481504"/>
-          </a:xfrm>
-        </p:spPr>
-        <p:txBody>
-          <a:bodyPr/>
-          <a:lstStyle/>
-          <a:p>
-            <a:pPr marL="0" indent="0">
-              <a:buNone/>
-            </a:pPr>
-            <a:r>
-              <a:rPr lang="it-IT" dirty="0" smtClean="0">
-                <a:latin typeface="Graphik Regular" panose="020B0503030202060203" pitchFamily="34" charset="0"/>
-              </a:rPr>
-              <a:t>Using </a:t>
-            </a:r>
-            <a:r>
-              <a:rPr lang="it-IT" dirty="0" err="1" smtClean="0">
-                <a:latin typeface="Graphik Regular" panose="020B0503030202060203" pitchFamily="34" charset="0"/>
-              </a:rPr>
-              <a:t>Rstudio</a:t>
-            </a:r>
-            <a:r>
-              <a:rPr lang="it-IT" dirty="0" smtClean="0">
-                <a:latin typeface="Graphik Regular" panose="020B0503030202060203" pitchFamily="34" charset="0"/>
-              </a:rPr>
-              <a:t> </a:t>
-            </a:r>
-            <a:r>
-              <a:rPr lang="it-IT" dirty="0" err="1" smtClean="0">
-                <a:latin typeface="Graphik Regular" panose="020B0503030202060203" pitchFamily="34" charset="0"/>
-              </a:rPr>
-              <a:t>we</a:t>
-            </a:r>
-            <a:r>
-              <a:rPr lang="it-IT" dirty="0" smtClean="0">
-                <a:latin typeface="Graphik Regular" panose="020B0503030202060203" pitchFamily="34" charset="0"/>
-              </a:rPr>
-              <a:t> </a:t>
-            </a:r>
-            <a:r>
-              <a:rPr lang="it-IT" dirty="0" err="1" smtClean="0">
-                <a:latin typeface="Graphik Regular" panose="020B0503030202060203" pitchFamily="34" charset="0"/>
-              </a:rPr>
-              <a:t>extract</a:t>
-            </a:r>
-            <a:r>
-              <a:rPr lang="it-IT" dirty="0" smtClean="0">
-                <a:latin typeface="Graphik Regular" panose="020B0503030202060203" pitchFamily="34" charset="0"/>
-              </a:rPr>
-              <a:t> some information from the date </a:t>
-            </a:r>
-            <a:r>
-              <a:rPr lang="it-IT" dirty="0" err="1" smtClean="0">
-                <a:latin typeface="Graphik Regular" panose="020B0503030202060203" pitchFamily="34" charset="0"/>
-              </a:rPr>
-              <a:t>column</a:t>
-            </a:r>
-            <a:r>
-              <a:rPr lang="it-IT" dirty="0" smtClean="0">
-                <a:latin typeface="Graphik Regular" panose="020B0503030202060203" pitchFamily="34" charset="0"/>
-              </a:rPr>
-              <a:t>, </a:t>
-            </a:r>
-            <a:r>
-              <a:rPr lang="it-IT" dirty="0" err="1" smtClean="0">
-                <a:latin typeface="Graphik Regular" panose="020B0503030202060203" pitchFamily="34" charset="0"/>
-              </a:rPr>
-              <a:t>like</a:t>
-            </a:r>
-            <a:r>
-              <a:rPr lang="it-IT" dirty="0" smtClean="0">
-                <a:latin typeface="Graphik Regular" panose="020B0503030202060203" pitchFamily="34" charset="0"/>
-              </a:rPr>
-              <a:t> the </a:t>
-            </a:r>
-            <a:r>
-              <a:rPr lang="it-IT" dirty="0" err="1" smtClean="0">
-                <a:latin typeface="Graphik Regular" panose="020B0503030202060203" pitchFamily="34" charset="0"/>
-              </a:rPr>
-              <a:t>weekdays</a:t>
-            </a:r>
-            <a:r>
-              <a:rPr lang="it-IT" dirty="0">
-                <a:latin typeface="Graphik Regular" panose="020B0503030202060203" pitchFamily="34" charset="0"/>
-              </a:rPr>
-              <a:t> </a:t>
-            </a:r>
-            <a:r>
-              <a:rPr lang="it-IT" dirty="0" smtClean="0">
-                <a:latin typeface="Graphik Regular" panose="020B0503030202060203" pitchFamily="34" charset="0"/>
-              </a:rPr>
-              <a:t>and </a:t>
-            </a:r>
-            <a:r>
-              <a:rPr lang="it-IT" dirty="0" err="1" smtClean="0">
-                <a:latin typeface="Graphik Regular" panose="020B0503030202060203" pitchFamily="34" charset="0"/>
-              </a:rPr>
-              <a:t>holidays</a:t>
-            </a:r>
-            <a:r>
-              <a:rPr lang="it-IT" dirty="0" smtClean="0">
-                <a:latin typeface="Graphik Regular" panose="020B0503030202060203" pitchFamily="34" charset="0"/>
-              </a:rPr>
-              <a:t> and </a:t>
-            </a:r>
-            <a:r>
-              <a:rPr lang="it-IT" dirty="0" err="1" smtClean="0">
-                <a:latin typeface="Graphik Regular" panose="020B0503030202060203" pitchFamily="34" charset="0"/>
-              </a:rPr>
-              <a:t>we</a:t>
-            </a:r>
-            <a:r>
-              <a:rPr lang="it-IT" dirty="0" smtClean="0">
-                <a:latin typeface="Graphik Regular" panose="020B0503030202060203" pitchFamily="34" charset="0"/>
-              </a:rPr>
-              <a:t> </a:t>
-            </a:r>
-            <a:r>
-              <a:rPr lang="it-IT" dirty="0" err="1" smtClean="0">
-                <a:latin typeface="Graphik Regular" panose="020B0503030202060203" pitchFamily="34" charset="0"/>
-              </a:rPr>
-              <a:t>attach</a:t>
-            </a:r>
-            <a:r>
-              <a:rPr lang="it-IT" dirty="0" smtClean="0">
-                <a:latin typeface="Graphik Regular" panose="020B0503030202060203" pitchFamily="34" charset="0"/>
-              </a:rPr>
-              <a:t> for </a:t>
-            </a:r>
-            <a:r>
-              <a:rPr lang="it-IT" dirty="0" err="1" smtClean="0">
-                <a:latin typeface="Graphik Regular" panose="020B0503030202060203" pitchFamily="34" charset="0"/>
-              </a:rPr>
-              <a:t>each</a:t>
-            </a:r>
-            <a:r>
-              <a:rPr lang="it-IT" dirty="0" smtClean="0">
-                <a:latin typeface="Graphik Regular" panose="020B0503030202060203" pitchFamily="34" charset="0"/>
-              </a:rPr>
-              <a:t> </a:t>
-            </a:r>
-            <a:r>
-              <a:rPr lang="it-IT" dirty="0" err="1" smtClean="0">
-                <a:latin typeface="Graphik Regular" panose="020B0503030202060203" pitchFamily="34" charset="0"/>
-              </a:rPr>
-              <a:t>subarea</a:t>
-            </a:r>
-            <a:r>
-              <a:rPr lang="it-IT" dirty="0" smtClean="0">
-                <a:latin typeface="Graphik Regular" panose="020B0503030202060203" pitchFamily="34" charset="0"/>
-              </a:rPr>
-              <a:t> the </a:t>
-            </a:r>
-            <a:r>
-              <a:rPr lang="it-IT" dirty="0" err="1" smtClean="0">
-                <a:latin typeface="Graphik Regular" panose="020B0503030202060203" pitchFamily="34" charset="0"/>
-              </a:rPr>
-              <a:t>latitude</a:t>
-            </a:r>
-            <a:r>
-              <a:rPr lang="it-IT" dirty="0" smtClean="0">
-                <a:latin typeface="Graphik Regular" panose="020B0503030202060203" pitchFamily="34" charset="0"/>
-              </a:rPr>
-              <a:t> and </a:t>
-            </a:r>
-            <a:r>
-              <a:rPr lang="it-IT" dirty="0" err="1" smtClean="0">
-                <a:latin typeface="Graphik Regular" panose="020B0503030202060203" pitchFamily="34" charset="0"/>
-              </a:rPr>
-              <a:t>longitude</a:t>
-            </a:r>
-            <a:r>
-              <a:rPr lang="it-IT" dirty="0" smtClean="0">
-                <a:latin typeface="Graphik Regular" panose="020B0503030202060203" pitchFamily="34" charset="0"/>
-              </a:rPr>
-              <a:t> data. </a:t>
-            </a:r>
-            <a:endParaRPr lang="it-IT" dirty="0">
-              <a:latin typeface="Graphik Regular" panose="020B0503030202060203" pitchFamily="34" charset="0"/>
-            </a:endParaRPr>
-          </a:p>
-        </p:txBody>
-      </p:sp>
-      <p:sp>
-        <p:nvSpPr>
           <p:cNvPr id="4" name="Segnaposto piè di pagina 3"/>
           <p:cNvSpPr>
             <a:spLocks noGrp="1"/>
@@ -8132,83 +8588,7 @@
           <a:p>
             <a:fld id="{64940616-D2BF-483C-A102-8A041BC94CFF}" type="slidenum">
               <a:rPr lang="it-IT" smtClean="0"/>
-              <a:t>3</a:t>
-            </a:fld>
-            <a:endParaRPr lang="it-IT"/>
-          </a:p>
-        </p:txBody>
-      </p:sp>
-    </p:spTree>
-    <p:extLst>
-      <p:ext uri="{BB962C8B-B14F-4D97-AF65-F5344CB8AC3E}">
-        <p14:creationId xmlns:p14="http://schemas.microsoft.com/office/powerpoint/2010/main" val="3128862234"/>
-      </p:ext>
-    </p:extLst>
-  </p:cSld>
-  <p:clrMapOvr>
-    <a:masterClrMapping/>
-  </p:clrMapOvr>
-</p:sld>
-</file>
-
-<file path=ppt/slides/slide30.xml><?xml version="1.0" encoding="utf-8"?>
-<p:sld xmlns:a="http://schemas.openxmlformats.org/drawingml/2006/main" xmlns:r="http://schemas.openxmlformats.org/officeDocument/2006/relationships" xmlns:p="http://schemas.openxmlformats.org/presentationml/2006/main">
-  <p:cSld>
-    <p:spTree>
-      <p:nvGrpSpPr>
-        <p:cNvPr id="1" name=""/>
-        <p:cNvGrpSpPr/>
-        <p:nvPr/>
-      </p:nvGrpSpPr>
-      <p:grpSpPr>
-        <a:xfrm>
-          <a:off x="0" y="0"/>
-          <a:ext cx="0" cy="0"/>
-          <a:chOff x="0" y="0"/>
-          <a:chExt cx="0" cy="0"/>
-        </a:xfrm>
-      </p:grpSpPr>
-      <p:sp>
-        <p:nvSpPr>
-          <p:cNvPr id="4" name="Segnaposto piè di pagina 3"/>
-          <p:cNvSpPr>
-            <a:spLocks noGrp="1"/>
-          </p:cNvSpPr>
-          <p:nvPr>
-            <p:ph type="ftr" sz="quarter" idx="11"/>
-          </p:nvPr>
-        </p:nvSpPr>
-        <p:spPr/>
-        <p:txBody>
-          <a:bodyPr/>
-          <a:lstStyle/>
-          <a:p>
-            <a:r>
-              <a:rPr lang="it-IT" smtClean="0"/>
-              <a:t>BIP Prediction</a:t>
-            </a:r>
-            <a:endParaRPr lang="it-IT"/>
-          </a:p>
-        </p:txBody>
-      </p:sp>
-      <p:sp>
-        <p:nvSpPr>
-          <p:cNvPr id="5" name="Segnaposto numero diapositiva 4"/>
-          <p:cNvSpPr>
-            <a:spLocks noGrp="1"/>
-          </p:cNvSpPr>
-          <p:nvPr>
-            <p:ph type="sldNum" sz="quarter" idx="12"/>
-          </p:nvPr>
-        </p:nvSpPr>
-        <p:spPr/>
-        <p:txBody>
-          <a:bodyPr/>
-          <a:lstStyle/>
-          <a:p>
-            <a:fld id="{64940616-D2BF-483C-A102-8A041BC94CFF}" type="slidenum">
-              <a:rPr lang="it-IT" smtClean="0"/>
-              <a:t>30</a:t>
+              <a:t>33</a:t>
             </a:fld>
             <a:endParaRPr lang="it-IT"/>
           </a:p>
@@ -8256,7 +8636,7 @@
 </p:sld>
 </file>
 
-<file path=ppt/slides/slide31.xml><?xml version="1.0" encoding="utf-8"?>
+<file path=ppt/slides/slide34.xml><?xml version="1.0" encoding="utf-8"?>
 <p:sld xmlns:a="http://schemas.openxmlformats.org/drawingml/2006/main" xmlns:r="http://schemas.openxmlformats.org/officeDocument/2006/relationships" xmlns:p="http://schemas.openxmlformats.org/presentationml/2006/main">
   <p:cSld>
     <p:spTree>
@@ -8313,7 +8693,7 @@
           <a:p>
             <a:fld id="{64940616-D2BF-483C-A102-8A041BC94CFF}" type="slidenum">
               <a:rPr lang="it-IT" smtClean="0"/>
-              <a:t>31</a:t>
+              <a:t>34</a:t>
             </a:fld>
             <a:endParaRPr lang="it-IT"/>
           </a:p>
@@ -8361,7 +8741,7 @@
 </p:sld>
 </file>
 
-<file path=ppt/slides/slide32.xml><?xml version="1.0" encoding="utf-8"?>
+<file path=ppt/slides/slide35.xml><?xml version="1.0" encoding="utf-8"?>
 <p:sld xmlns:a="http://schemas.openxmlformats.org/drawingml/2006/main" xmlns:r="http://schemas.openxmlformats.org/officeDocument/2006/relationships" xmlns:p="http://schemas.openxmlformats.org/presentationml/2006/main">
   <p:cSld>
     <p:spTree>
@@ -8657,7 +9037,7 @@
           <a:p>
             <a:fld id="{64940616-D2BF-483C-A102-8A041BC94CFF}" type="slidenum">
               <a:rPr lang="it-IT" smtClean="0"/>
-              <a:t>32</a:t>
+              <a:t>35</a:t>
             </a:fld>
             <a:endParaRPr lang="it-IT"/>
           </a:p>
@@ -8676,7 +9056,7 @@
 </p:sld>
 </file>
 
-<file path=ppt/slides/slide33.xml><?xml version="1.0" encoding="utf-8"?>
+<file path=ppt/slides/slide36.xml><?xml version="1.0" encoding="utf-8"?>
 <p:sld xmlns:a="http://schemas.openxmlformats.org/drawingml/2006/main" xmlns:r="http://schemas.openxmlformats.org/officeDocument/2006/relationships" xmlns:p="http://schemas.openxmlformats.org/presentationml/2006/main">
   <p:cSld>
     <p:spTree>
@@ -8733,7 +9113,7 @@
           <a:p>
             <a:fld id="{64940616-D2BF-483C-A102-8A041BC94CFF}" type="slidenum">
               <a:rPr lang="it-IT" smtClean="0"/>
-              <a:t>33</a:t>
+              <a:t>36</a:t>
             </a:fld>
             <a:endParaRPr lang="it-IT"/>
           </a:p>
